--- a/PV G5.pptx
+++ b/PV G5.pptx
@@ -6,6 +6,7 @@
   </p:sldMasterIdLst>
   <p:sldIdLst>
     <p:sldId id="256" r:id="rId2"/>
+    <p:sldId id="257" r:id="rId3"/>
   </p:sldIdLst>
   <p:sldSz cx="12801600" cy="9601200" type="A3"/>
   <p:notesSz cx="6858000" cy="9144000"/>
@@ -243,7 +244,7 @@
           <a:p>
             <a:fld id="{9F6CE53A-20B2-4B8E-A67F-0179AE165EFA}" type="datetimeFigureOut">
               <a:rPr lang="en-US" smtClean="0"/>
-              <a:t>4/9/2023</a:t>
+              <a:t>5/9/2023</a:t>
             </a:fld>
             <a:endParaRPr lang="en-US"/>
           </a:p>
@@ -413,7 +414,7 @@
           <a:p>
             <a:fld id="{9F6CE53A-20B2-4B8E-A67F-0179AE165EFA}" type="datetimeFigureOut">
               <a:rPr lang="en-US" smtClean="0"/>
-              <a:t>4/9/2023</a:t>
+              <a:t>5/9/2023</a:t>
             </a:fld>
             <a:endParaRPr lang="en-US"/>
           </a:p>
@@ -593,7 +594,7 @@
           <a:p>
             <a:fld id="{9F6CE53A-20B2-4B8E-A67F-0179AE165EFA}" type="datetimeFigureOut">
               <a:rPr lang="en-US" smtClean="0"/>
-              <a:t>4/9/2023</a:t>
+              <a:t>5/9/2023</a:t>
             </a:fld>
             <a:endParaRPr lang="en-US"/>
           </a:p>
@@ -763,7 +764,7 @@
           <a:p>
             <a:fld id="{9F6CE53A-20B2-4B8E-A67F-0179AE165EFA}" type="datetimeFigureOut">
               <a:rPr lang="en-US" smtClean="0"/>
-              <a:t>4/9/2023</a:t>
+              <a:t>5/9/2023</a:t>
             </a:fld>
             <a:endParaRPr lang="en-US"/>
           </a:p>
@@ -1007,7 +1008,7 @@
           <a:p>
             <a:fld id="{9F6CE53A-20B2-4B8E-A67F-0179AE165EFA}" type="datetimeFigureOut">
               <a:rPr lang="en-US" smtClean="0"/>
-              <a:t>4/9/2023</a:t>
+              <a:t>5/9/2023</a:t>
             </a:fld>
             <a:endParaRPr lang="en-US"/>
           </a:p>
@@ -1239,7 +1240,7 @@
           <a:p>
             <a:fld id="{9F6CE53A-20B2-4B8E-A67F-0179AE165EFA}" type="datetimeFigureOut">
               <a:rPr lang="en-US" smtClean="0"/>
-              <a:t>4/9/2023</a:t>
+              <a:t>5/9/2023</a:t>
             </a:fld>
             <a:endParaRPr lang="en-US"/>
           </a:p>
@@ -1606,7 +1607,7 @@
           <a:p>
             <a:fld id="{9F6CE53A-20B2-4B8E-A67F-0179AE165EFA}" type="datetimeFigureOut">
               <a:rPr lang="en-US" smtClean="0"/>
-              <a:t>4/9/2023</a:t>
+              <a:t>5/9/2023</a:t>
             </a:fld>
             <a:endParaRPr lang="en-US"/>
           </a:p>
@@ -1724,7 +1725,7 @@
           <a:p>
             <a:fld id="{9F6CE53A-20B2-4B8E-A67F-0179AE165EFA}" type="datetimeFigureOut">
               <a:rPr lang="en-US" smtClean="0"/>
-              <a:t>4/9/2023</a:t>
+              <a:t>5/9/2023</a:t>
             </a:fld>
             <a:endParaRPr lang="en-US"/>
           </a:p>
@@ -1819,7 +1820,7 @@
           <a:p>
             <a:fld id="{9F6CE53A-20B2-4B8E-A67F-0179AE165EFA}" type="datetimeFigureOut">
               <a:rPr lang="en-US" smtClean="0"/>
-              <a:t>4/9/2023</a:t>
+              <a:t>5/9/2023</a:t>
             </a:fld>
             <a:endParaRPr lang="en-US"/>
           </a:p>
@@ -2096,7 +2097,7 @@
           <a:p>
             <a:fld id="{9F6CE53A-20B2-4B8E-A67F-0179AE165EFA}" type="datetimeFigureOut">
               <a:rPr lang="en-US" smtClean="0"/>
-              <a:t>4/9/2023</a:t>
+              <a:t>5/9/2023</a:t>
             </a:fld>
             <a:endParaRPr lang="en-US"/>
           </a:p>
@@ -2353,7 +2354,7 @@
           <a:p>
             <a:fld id="{9F6CE53A-20B2-4B8E-A67F-0179AE165EFA}" type="datetimeFigureOut">
               <a:rPr lang="en-US" smtClean="0"/>
-              <a:t>4/9/2023</a:t>
+              <a:t>5/9/2023</a:t>
             </a:fld>
             <a:endParaRPr lang="en-US"/>
           </a:p>
@@ -2566,7 +2567,7 @@
           <a:p>
             <a:fld id="{9F6CE53A-20B2-4B8E-A67F-0179AE165EFA}" type="datetimeFigureOut">
               <a:rPr lang="en-US" smtClean="0"/>
-              <a:t>4/9/2023</a:t>
+              <a:t>5/9/2023</a:t>
             </a:fld>
             <a:endParaRPr lang="en-US"/>
           </a:p>
@@ -3772,6 +3773,645 @@
 </p:sld>
 </file>
 
+<file path=ppt/slides/slide2.xml><?xml version="1.0" encoding="utf-8"?>
+<p:sld xmlns:a="http://schemas.openxmlformats.org/drawingml/2006/main" xmlns:r="http://schemas.openxmlformats.org/officeDocument/2006/relationships" xmlns:p="http://schemas.openxmlformats.org/presentationml/2006/main">
+  <p:cSld>
+    <p:spTree>
+      <p:nvGrpSpPr>
+        <p:cNvPr id="1" name=""/>
+        <p:cNvGrpSpPr/>
+        <p:nvPr/>
+      </p:nvGrpSpPr>
+      <p:grpSpPr>
+        <a:xfrm>
+          <a:off x="0" y="0"/>
+          <a:ext cx="0" cy="0"/>
+          <a:chOff x="0" y="0"/>
+          <a:chExt cx="0" cy="0"/>
+        </a:xfrm>
+      </p:grpSpPr>
+      <p:sp>
+        <p:nvSpPr>
+          <p:cNvPr id="2" name="TextBox 1"/>
+          <p:cNvSpPr txBox="1"/>
+          <p:nvPr/>
+        </p:nvSpPr>
+        <p:spPr>
+          <a:xfrm>
+            <a:off x="280416" y="334762"/>
+            <a:ext cx="3340608" cy="2292935"/>
+          </a:xfrm>
+          <a:prstGeom prst="rect">
+            <a:avLst/>
+          </a:prstGeom>
+          <a:noFill/>
+        </p:spPr>
+        <p:txBody>
+          <a:bodyPr wrap="square" rtlCol="0">
+            <a:spAutoFit/>
+          </a:bodyPr>
+          <a:lstStyle/>
+          <a:p>
+            <a:r>
+              <a:rPr lang="en-US" sz="1100" b="1" dirty="0" smtClean="0"/>
+              <a:t>Difficutty &amp; over come ?</a:t>
+            </a:r>
+          </a:p>
+          <a:p>
+            <a:r>
+              <a:rPr lang="en-US" sz="1100" dirty="0" smtClean="0"/>
+              <a:t>- One of my mission is manage and solving dies problem is mass production.</a:t>
+            </a:r>
+          </a:p>
+          <a:p>
+            <a:r>
+              <a:rPr lang="en-US" sz="1100" dirty="0" smtClean="0"/>
+              <a:t>And may be you know LBP we have about 5000 dies and it increase each year. It is big die amount and dificult for me to manage all to take neccesary Q,C,D action quicky.</a:t>
+            </a:r>
+          </a:p>
+          <a:p>
+            <a:endParaRPr lang="en-US" sz="1100" dirty="0"/>
+          </a:p>
+          <a:p>
+            <a:r>
+              <a:rPr lang="en-US" sz="1100" dirty="0" smtClean="0"/>
+              <a:t>To overcome it. I co-operate with PE,PUR div, MQA,PDC, ACC to build up die mangement system to controll, visualize die status, die trouble, all process of die from make bugdit till disposed.</a:t>
+            </a:r>
+          </a:p>
+          <a:p>
+            <a:endParaRPr lang="en-US" sz="1100" dirty="0"/>
+          </a:p>
+        </p:txBody>
+      </p:sp>
+      <p:sp>
+        <p:nvSpPr>
+          <p:cNvPr id="4" name="TextBox 3"/>
+          <p:cNvSpPr txBox="1"/>
+          <p:nvPr/>
+        </p:nvSpPr>
+        <p:spPr>
+          <a:xfrm>
+            <a:off x="280416" y="2467039"/>
+            <a:ext cx="3340608" cy="769441"/>
+          </a:xfrm>
+          <a:prstGeom prst="rect">
+            <a:avLst/>
+          </a:prstGeom>
+          <a:noFill/>
+        </p:spPr>
+        <p:txBody>
+          <a:bodyPr wrap="square" rtlCol="0">
+            <a:spAutoFit/>
+          </a:bodyPr>
+          <a:lstStyle/>
+          <a:p>
+            <a:r>
+              <a:rPr lang="en-US" sz="1100" b="1" dirty="0" smtClean="0"/>
+              <a:t>What is biggist archivement?</a:t>
+            </a:r>
+          </a:p>
+          <a:p>
+            <a:r>
+              <a:rPr lang="en-US" sz="1100" dirty="0" smtClean="0"/>
+              <a:t>My achievement is success build up DMS to control and visualize die status, die trouble, all procecc of die from make bugdit till die disposed.</a:t>
+            </a:r>
+            <a:endParaRPr lang="en-US" sz="1100" dirty="0"/>
+          </a:p>
+        </p:txBody>
+      </p:sp>
+      <p:sp>
+        <p:nvSpPr>
+          <p:cNvPr id="5" name="TextBox 4"/>
+          <p:cNvSpPr txBox="1"/>
+          <p:nvPr/>
+        </p:nvSpPr>
+        <p:spPr>
+          <a:xfrm>
+            <a:off x="4035552" y="403550"/>
+            <a:ext cx="4133088" cy="430887"/>
+          </a:xfrm>
+          <a:prstGeom prst="rect">
+            <a:avLst/>
+          </a:prstGeom>
+          <a:noFill/>
+        </p:spPr>
+        <p:txBody>
+          <a:bodyPr wrap="square" rtlCol="0">
+            <a:spAutoFit/>
+          </a:bodyPr>
+          <a:lstStyle/>
+          <a:p>
+            <a:r>
+              <a:rPr lang="en-US" sz="1100" b="1" dirty="0" smtClean="0"/>
+              <a:t>What is Die managemt system?</a:t>
+            </a:r>
+          </a:p>
+          <a:p>
+            <a:r>
+              <a:rPr lang="en-US" sz="1100" dirty="0" smtClean="0"/>
+              <a:t>This is sytem to manage all LBP dies from bugdit till die disposed.</a:t>
+            </a:r>
+          </a:p>
+        </p:txBody>
+      </p:sp>
+      <p:sp>
+        <p:nvSpPr>
+          <p:cNvPr id="6" name="TextBox 5"/>
+          <p:cNvSpPr txBox="1"/>
+          <p:nvPr/>
+        </p:nvSpPr>
+        <p:spPr>
+          <a:xfrm>
+            <a:off x="280416" y="3151841"/>
+            <a:ext cx="3340608" cy="1785104"/>
+          </a:xfrm>
+          <a:prstGeom prst="rect">
+            <a:avLst/>
+          </a:prstGeom>
+          <a:noFill/>
+        </p:spPr>
+        <p:txBody>
+          <a:bodyPr wrap="square" rtlCol="0">
+            <a:spAutoFit/>
+          </a:bodyPr>
+          <a:lstStyle/>
+          <a:p>
+            <a:r>
+              <a:rPr lang="en-US" sz="1100" b="1" dirty="0" smtClean="0"/>
+              <a:t>What did you do to archive it?</a:t>
+            </a:r>
+          </a:p>
+          <a:p>
+            <a:r>
+              <a:rPr lang="en-US" sz="1100" dirty="0" smtClean="0"/>
+              <a:t>There are 2 things i need to do?</a:t>
+            </a:r>
+          </a:p>
+          <a:p>
+            <a:pPr marL="228600" indent="-228600">
+              <a:buAutoNum type="arabicPeriod"/>
+            </a:pPr>
+            <a:r>
+              <a:rPr lang="en-US" sz="1100" dirty="0" smtClean="0"/>
+              <a:t>Make opearation flow, to make it i need unsderstand deeply  about engineer job and understand work flow not only PAE but also others department.</a:t>
+            </a:r>
+          </a:p>
+          <a:p>
+            <a:pPr marL="228600" indent="-228600">
+              <a:buAutoNum type="arabicPeriod"/>
+            </a:pPr>
+            <a:r>
+              <a:rPr lang="en-US" sz="1100" dirty="0" smtClean="0"/>
+              <a:t>Program(make web). May you think  program will make by IT, But not, i was make by me, That time IT man power not enough so i was studied and make it.</a:t>
+            </a:r>
+          </a:p>
+        </p:txBody>
+      </p:sp>
+      <p:sp>
+        <p:nvSpPr>
+          <p:cNvPr id="7" name="TextBox 6"/>
+          <p:cNvSpPr txBox="1"/>
+          <p:nvPr/>
+        </p:nvSpPr>
+        <p:spPr>
+          <a:xfrm>
+            <a:off x="280416" y="6899795"/>
+            <a:ext cx="3340608" cy="2462213"/>
+          </a:xfrm>
+          <a:prstGeom prst="rect">
+            <a:avLst/>
+          </a:prstGeom>
+          <a:noFill/>
+        </p:spPr>
+        <p:txBody>
+          <a:bodyPr wrap="square" rtlCol="0">
+            <a:spAutoFit/>
+          </a:bodyPr>
+          <a:lstStyle/>
+          <a:p>
+            <a:r>
+              <a:rPr lang="en-US" sz="1100" b="1" dirty="0" smtClean="0"/>
+              <a:t>Why you make this system?</a:t>
+            </a:r>
+          </a:p>
+          <a:p>
+            <a:r>
+              <a:rPr lang="en-US" sz="1100" dirty="0" smtClean="0"/>
+              <a:t>There are to reason:</a:t>
+            </a:r>
+          </a:p>
+          <a:p>
+            <a:pPr marL="228600" indent="-228600">
+              <a:buAutoNum type="arabicPeriod"/>
+            </a:pPr>
+            <a:r>
+              <a:rPr lang="en-US" sz="1100" dirty="0" smtClean="0"/>
+              <a:t>When i was a new commer,one of my job is solving die trouble. To solving trouble i need to confirm many information in some control list, look up history, doccument in many forder somewhere, it take a lot of time and difficult for new commer, I wonder why know system control it?</a:t>
+            </a:r>
+          </a:p>
+          <a:p>
+            <a:pPr marL="228600" indent="-228600">
+              <a:buAutoNum type="arabicPeriod"/>
+            </a:pPr>
+            <a:r>
+              <a:rPr lang="en-US" sz="1100" dirty="0" smtClean="0"/>
+              <a:t>After become G4 my mission is manage all LBP die to take action QCD, there are about 5000 LBP dies, and it increase each year, with big amount it make me difficult to control and verify and update by excel</a:t>
+            </a:r>
+          </a:p>
+          <a:p>
+            <a:r>
+              <a:rPr lang="en-US" sz="1100" dirty="0" smtClean="0"/>
+              <a:t>=&gt; So I made DMS</a:t>
+            </a:r>
+          </a:p>
+        </p:txBody>
+      </p:sp>
+      <p:sp>
+        <p:nvSpPr>
+          <p:cNvPr id="8" name="TextBox 7"/>
+          <p:cNvSpPr txBox="1"/>
+          <p:nvPr/>
+        </p:nvSpPr>
+        <p:spPr>
+          <a:xfrm>
+            <a:off x="280416" y="4776137"/>
+            <a:ext cx="3340608" cy="2123658"/>
+          </a:xfrm>
+          <a:prstGeom prst="rect">
+            <a:avLst/>
+          </a:prstGeom>
+          <a:noFill/>
+        </p:spPr>
+        <p:txBody>
+          <a:bodyPr wrap="square" rtlCol="0">
+            <a:spAutoFit/>
+          </a:bodyPr>
+          <a:lstStyle/>
+          <a:p>
+            <a:r>
+              <a:rPr lang="en-US" sz="1100" b="1" dirty="0" smtClean="0"/>
+              <a:t>What is dificulty when buid DMS?</a:t>
+            </a:r>
+          </a:p>
+          <a:p>
+            <a:r>
+              <a:rPr lang="en-US" sz="1100" dirty="0" smtClean="0"/>
+              <a:t>To make DMS, i have to do 2 things</a:t>
+            </a:r>
+            <a:r>
+              <a:rPr lang="en-US" sz="1100" dirty="0"/>
+              <a:t> </a:t>
+            </a:r>
+            <a:r>
+              <a:rPr lang="en-US" sz="1100" dirty="0" smtClean="0"/>
+              <a:t>and i got difficult on to think</a:t>
+            </a:r>
+          </a:p>
+          <a:p>
+            <a:pPr marL="228600" indent="-228600">
+              <a:buAutoNum type="arabicPeriod"/>
+            </a:pPr>
+            <a:r>
+              <a:rPr lang="en-US" sz="1100" dirty="0" smtClean="0"/>
+              <a:t>Make opeation flow for system. That time i belive in myself about Engingeer job and PAE work flow. But this not enoung, i need undestand other department work flow related to dies. So i hold meeting all related Dept in Engneer DIV, PUR div, QA, ACC to get support and gether their flow.</a:t>
+            </a:r>
+          </a:p>
+          <a:p>
+            <a:pPr marL="228600" indent="-228600">
+              <a:buAutoNum type="arabicPeriod" startAt="2"/>
+            </a:pPr>
+            <a:r>
+              <a:rPr lang="en-US" sz="1100" dirty="0" smtClean="0"/>
+              <a:t>Make a web. We meeting with IT TL,QV but they also have other project so not enough manpower so i was studied and made by myself – no waiting</a:t>
+            </a:r>
+          </a:p>
+        </p:txBody>
+      </p:sp>
+      <p:sp>
+        <p:nvSpPr>
+          <p:cNvPr id="9" name="TextBox 8"/>
+          <p:cNvSpPr txBox="1"/>
+          <p:nvPr/>
+        </p:nvSpPr>
+        <p:spPr>
+          <a:xfrm>
+            <a:off x="8363712" y="334762"/>
+            <a:ext cx="4096512" cy="2123658"/>
+          </a:xfrm>
+          <a:prstGeom prst="rect">
+            <a:avLst/>
+          </a:prstGeom>
+          <a:noFill/>
+        </p:spPr>
+        <p:txBody>
+          <a:bodyPr wrap="square" rtlCol="0">
+            <a:spAutoFit/>
+          </a:bodyPr>
+          <a:lstStyle/>
+          <a:p>
+            <a:r>
+              <a:rPr lang="en-US" sz="1100" b="1" dirty="0" smtClean="0"/>
+              <a:t>Why you make this system?</a:t>
+            </a:r>
+          </a:p>
+          <a:p>
+            <a:r>
+              <a:rPr lang="en-US" sz="1100" dirty="0" smtClean="0"/>
+              <a:t>There are to reason:</a:t>
+            </a:r>
+          </a:p>
+          <a:p>
+            <a:pPr marL="228600" indent="-228600">
+              <a:buAutoNum type="arabicPeriod"/>
+            </a:pPr>
+            <a:r>
+              <a:rPr lang="en-US" sz="1100" dirty="0" smtClean="0"/>
+              <a:t>When i was a new commer,one of my job is solving die trouble. To solving trouble i need to confirm many information in some control list, look up history, doccument in many forder somewhere, it take a lot of time and difficult for new commer, I wonder why know system control it?</a:t>
+            </a:r>
+          </a:p>
+          <a:p>
+            <a:pPr marL="228600" indent="-228600">
+              <a:buAutoNum type="arabicPeriod"/>
+            </a:pPr>
+            <a:r>
+              <a:rPr lang="en-US" sz="1100" dirty="0" smtClean="0"/>
+              <a:t>After become G4 my mission is manage all LBP die to take action QCD, there are about 5000 LBP dies, and it increase each year, with big amount it make me difficult to control and verify and update by excel</a:t>
+            </a:r>
+          </a:p>
+          <a:p>
+            <a:r>
+              <a:rPr lang="en-US" sz="1100" dirty="0" smtClean="0"/>
+              <a:t>=&gt; So I made DMS</a:t>
+            </a:r>
+          </a:p>
+        </p:txBody>
+      </p:sp>
+      <p:sp>
+        <p:nvSpPr>
+          <p:cNvPr id="10" name="TextBox 9"/>
+          <p:cNvSpPr txBox="1"/>
+          <p:nvPr/>
+        </p:nvSpPr>
+        <p:spPr>
+          <a:xfrm>
+            <a:off x="4035552" y="834437"/>
+            <a:ext cx="4133088" cy="600164"/>
+          </a:xfrm>
+          <a:prstGeom prst="rect">
+            <a:avLst/>
+          </a:prstGeom>
+          <a:noFill/>
+        </p:spPr>
+        <p:txBody>
+          <a:bodyPr wrap="square" rtlCol="0">
+            <a:spAutoFit/>
+          </a:bodyPr>
+          <a:lstStyle/>
+          <a:p>
+            <a:r>
+              <a:rPr lang="en-US" sz="1100" b="1" dirty="0" smtClean="0"/>
+              <a:t>What this system mangage?</a:t>
+            </a:r>
+          </a:p>
+          <a:p>
+            <a:r>
+              <a:rPr lang="en-US" sz="1100" dirty="0" smtClean="0"/>
+              <a:t>We manage all procee of die like, issue MR, PO, control new die launching, die transfer, die trouble, die dispose</a:t>
+            </a:r>
+          </a:p>
+        </p:txBody>
+      </p:sp>
+      <p:sp>
+        <p:nvSpPr>
+          <p:cNvPr id="11" name="TextBox 10"/>
+          <p:cNvSpPr txBox="1"/>
+          <p:nvPr/>
+        </p:nvSpPr>
+        <p:spPr>
+          <a:xfrm>
+            <a:off x="4035552" y="1481229"/>
+            <a:ext cx="4133088" cy="938719"/>
+          </a:xfrm>
+          <a:prstGeom prst="rect">
+            <a:avLst/>
+          </a:prstGeom>
+          <a:noFill/>
+        </p:spPr>
+        <p:txBody>
+          <a:bodyPr wrap="square" rtlCol="0">
+            <a:spAutoFit/>
+          </a:bodyPr>
+          <a:lstStyle/>
+          <a:p>
+            <a:r>
+              <a:rPr lang="en-US" sz="1100" b="1" dirty="0" smtClean="0"/>
+              <a:t>What/how is system viasulize?</a:t>
+            </a:r>
+          </a:p>
+          <a:p>
+            <a:r>
+              <a:rPr lang="en-US" sz="1100" dirty="0" smtClean="0"/>
+              <a:t>System will visualize die status.</a:t>
+            </a:r>
+          </a:p>
+          <a:p>
+            <a:r>
+              <a:rPr lang="en-US" sz="1100" dirty="0" smtClean="0"/>
+              <a:t>Die in MP, I will show us die is under wanrranty or overlife</a:t>
+            </a:r>
+          </a:p>
+          <a:p>
+            <a:r>
+              <a:rPr lang="en-US" sz="1100" dirty="0" smtClean="0"/>
+              <a:t>Die under making will show progress</a:t>
+            </a:r>
+          </a:p>
+          <a:p>
+            <a:r>
+              <a:rPr lang="en-US" sz="1100" dirty="0" smtClean="0"/>
+              <a:t>Die trouble will show what kind of trouble, history of trouble</a:t>
+            </a:r>
+          </a:p>
+        </p:txBody>
+      </p:sp>
+      <p:sp>
+        <p:nvSpPr>
+          <p:cNvPr id="12" name="TextBox 11"/>
+          <p:cNvSpPr txBox="1"/>
+          <p:nvPr/>
+        </p:nvSpPr>
+        <p:spPr>
+          <a:xfrm>
+            <a:off x="4035552" y="2466576"/>
+            <a:ext cx="4133088" cy="1277273"/>
+          </a:xfrm>
+          <a:prstGeom prst="rect">
+            <a:avLst/>
+          </a:prstGeom>
+          <a:noFill/>
+        </p:spPr>
+        <p:txBody>
+          <a:bodyPr wrap="square" rtlCol="0">
+            <a:spAutoFit/>
+          </a:bodyPr>
+          <a:lstStyle/>
+          <a:p>
+            <a:r>
+              <a:rPr lang="en-US" sz="1100" b="1" dirty="0" smtClean="0"/>
+              <a:t>What is system output/ benefit?</a:t>
+            </a:r>
+          </a:p>
+          <a:p>
+            <a:r>
+              <a:rPr lang="en-US" sz="1100" dirty="0" smtClean="0"/>
+              <a:t>At first, i think every system will give use out put like remove wasting time, remove print paper, remove boring job like input control list,... Beside that DMS will give us out put about manage Quality, Cost, Dilivery.</a:t>
+            </a:r>
+          </a:p>
+          <a:p>
+            <a:r>
+              <a:rPr lang="en-US" sz="1100" dirty="0" smtClean="0"/>
+              <a:t>Ex: system manage die shot so we can take soon action to extend die life and also reduce cost for repair or renew</a:t>
+            </a:r>
+          </a:p>
+        </p:txBody>
+      </p:sp>
+      <p:sp>
+        <p:nvSpPr>
+          <p:cNvPr id="13" name="TextBox 12"/>
+          <p:cNvSpPr txBox="1"/>
+          <p:nvPr/>
+        </p:nvSpPr>
+        <p:spPr>
+          <a:xfrm>
+            <a:off x="4035552" y="3742549"/>
+            <a:ext cx="4133088" cy="1107996"/>
+          </a:xfrm>
+          <a:prstGeom prst="rect">
+            <a:avLst/>
+          </a:prstGeom>
+          <a:noFill/>
+        </p:spPr>
+        <p:txBody>
+          <a:bodyPr wrap="square" rtlCol="0">
+            <a:spAutoFit/>
+          </a:bodyPr>
+          <a:lstStyle/>
+          <a:p>
+            <a:r>
+              <a:rPr lang="en-US" sz="1100" b="1" dirty="0" smtClean="0"/>
+              <a:t>What is system output/ benefit?</a:t>
+            </a:r>
+          </a:p>
+          <a:p>
+            <a:r>
+              <a:rPr lang="en-US" sz="1100" dirty="0" smtClean="0"/>
+              <a:t>At first, i think every system will give use out put like remove wasting time, remove print paper, remove manual input control list,... Beside that DMS will give us out put about manage Quality, Cost, Dilivery.</a:t>
+            </a:r>
+          </a:p>
+          <a:p>
+            <a:r>
+              <a:rPr lang="en-US" sz="1100" dirty="0" smtClean="0"/>
+              <a:t>Ex: system manage die shot so we can take soon action to extend die life and also reduce cost for repair or renew</a:t>
+            </a:r>
+          </a:p>
+        </p:txBody>
+      </p:sp>
+      <p:sp>
+        <p:nvSpPr>
+          <p:cNvPr id="14" name="TextBox 13"/>
+          <p:cNvSpPr txBox="1"/>
+          <p:nvPr/>
+        </p:nvSpPr>
+        <p:spPr>
+          <a:xfrm>
+            <a:off x="4035552" y="4886244"/>
+            <a:ext cx="4133088" cy="2631490"/>
+          </a:xfrm>
+          <a:prstGeom prst="rect">
+            <a:avLst/>
+          </a:prstGeom>
+          <a:noFill/>
+        </p:spPr>
+        <p:txBody>
+          <a:bodyPr wrap="square" rtlCol="0">
+            <a:spAutoFit/>
+          </a:bodyPr>
+          <a:lstStyle/>
+          <a:p>
+            <a:r>
+              <a:rPr lang="en-US" sz="1100" b="1" dirty="0" smtClean="0"/>
+              <a:t>TL has DMS or not?</a:t>
+            </a:r>
+          </a:p>
+          <a:p>
+            <a:r>
+              <a:rPr lang="en-US" sz="1100" dirty="0" smtClean="0"/>
+              <a:t>Yes, TL factory has DMS like QV</a:t>
+            </a:r>
+          </a:p>
+          <a:p>
+            <a:endParaRPr lang="en-US" sz="1100" dirty="0"/>
+          </a:p>
+          <a:p>
+            <a:r>
+              <a:rPr lang="en-US" sz="1100" b="1" dirty="0" smtClean="0"/>
+              <a:t>Why not combie TL &amp; QV?</a:t>
+            </a:r>
+          </a:p>
+          <a:p>
+            <a:r>
+              <a:rPr lang="en-US" sz="1100" dirty="0" smtClean="0"/>
+              <a:t>With the goal “One CVN” combie TL and QV is best way.</a:t>
+            </a:r>
+          </a:p>
+          <a:p>
+            <a:r>
+              <a:rPr lang="en-US" sz="1100" dirty="0" smtClean="0"/>
+              <a:t>Follow this policy, in 2019 we go to TL to meeting about this system and combie for QV, We tried test at QV but many trouble happen, the opearation of QV &amp; TL is diffirent. To combie we need need revise all procude or TL need revise system. All will effect many thing many dept so the best way is QV make DMS to manage LBP dies.</a:t>
+            </a:r>
+          </a:p>
+          <a:p>
+            <a:endParaRPr lang="en-US" sz="1100" dirty="0" smtClean="0"/>
+          </a:p>
+          <a:p>
+            <a:r>
+              <a:rPr lang="en-US" sz="1100" b="1" dirty="0" smtClean="0"/>
+              <a:t>Example diffirent?</a:t>
+            </a:r>
+          </a:p>
+          <a:p>
+            <a:r>
+              <a:rPr lang="en-US" sz="1100" dirty="0" smtClean="0"/>
+              <a:t>To issue MR:</a:t>
+            </a:r>
+          </a:p>
+          <a:p>
+            <a:r>
+              <a:rPr lang="en-US" sz="1100" dirty="0" smtClean="0"/>
+              <a:t>QV: PUR issue request issue after they got QTN</a:t>
+            </a:r>
+          </a:p>
+          <a:p>
+            <a:r>
+              <a:rPr lang="en-US" sz="1100" dirty="0" smtClean="0"/>
+              <a:t>TL: Enginner div issue, when issue they dont know QTN</a:t>
+            </a:r>
+          </a:p>
+        </p:txBody>
+      </p:sp>
+    </p:spTree>
+    <p:extLst>
+      <p:ext uri="{BB962C8B-B14F-4D97-AF65-F5344CB8AC3E}">
+        <p14:creationId xmlns:p14="http://schemas.microsoft.com/office/powerpoint/2010/main" val="3051331462"/>
+      </p:ext>
+    </p:extLst>
+  </p:cSld>
+  <p:clrMapOvr>
+    <a:masterClrMapping/>
+  </p:clrMapOvr>
+</p:sld>
+</file>
+
 <file path=ppt/theme/theme1.xml><?xml version="1.0" encoding="utf-8"?>
 <a:theme xmlns:a="http://schemas.openxmlformats.org/drawingml/2006/main" name="Office Theme">
   <a:themeElements>

--- a/PV G5.pptx
+++ b/PV G5.pptx
@@ -6,7 +6,9 @@
   </p:sldMasterIdLst>
   <p:sldIdLst>
     <p:sldId id="256" r:id="rId2"/>
-    <p:sldId id="257" r:id="rId3"/>
+    <p:sldId id="258" r:id="rId3"/>
+    <p:sldId id="259" r:id="rId4"/>
+    <p:sldId id="257" r:id="rId5"/>
   </p:sldIdLst>
   <p:sldSz cx="12801600" cy="9601200" type="A3"/>
   <p:notesSz cx="6858000" cy="9144000"/>
@@ -244,7 +246,7 @@
           <a:p>
             <a:fld id="{9F6CE53A-20B2-4B8E-A67F-0179AE165EFA}" type="datetimeFigureOut">
               <a:rPr lang="en-US" smtClean="0"/>
-              <a:t>5/9/2023</a:t>
+              <a:t>5/13/2023</a:t>
             </a:fld>
             <a:endParaRPr lang="en-US"/>
           </a:p>
@@ -414,7 +416,7 @@
           <a:p>
             <a:fld id="{9F6CE53A-20B2-4B8E-A67F-0179AE165EFA}" type="datetimeFigureOut">
               <a:rPr lang="en-US" smtClean="0"/>
-              <a:t>5/9/2023</a:t>
+              <a:t>5/13/2023</a:t>
             </a:fld>
             <a:endParaRPr lang="en-US"/>
           </a:p>
@@ -594,7 +596,7 @@
           <a:p>
             <a:fld id="{9F6CE53A-20B2-4B8E-A67F-0179AE165EFA}" type="datetimeFigureOut">
               <a:rPr lang="en-US" smtClean="0"/>
-              <a:t>5/9/2023</a:t>
+              <a:t>5/13/2023</a:t>
             </a:fld>
             <a:endParaRPr lang="en-US"/>
           </a:p>
@@ -764,7 +766,7 @@
           <a:p>
             <a:fld id="{9F6CE53A-20B2-4B8E-A67F-0179AE165EFA}" type="datetimeFigureOut">
               <a:rPr lang="en-US" smtClean="0"/>
-              <a:t>5/9/2023</a:t>
+              <a:t>5/13/2023</a:t>
             </a:fld>
             <a:endParaRPr lang="en-US"/>
           </a:p>
@@ -1008,7 +1010,7 @@
           <a:p>
             <a:fld id="{9F6CE53A-20B2-4B8E-A67F-0179AE165EFA}" type="datetimeFigureOut">
               <a:rPr lang="en-US" smtClean="0"/>
-              <a:t>5/9/2023</a:t>
+              <a:t>5/13/2023</a:t>
             </a:fld>
             <a:endParaRPr lang="en-US"/>
           </a:p>
@@ -1240,7 +1242,7 @@
           <a:p>
             <a:fld id="{9F6CE53A-20B2-4B8E-A67F-0179AE165EFA}" type="datetimeFigureOut">
               <a:rPr lang="en-US" smtClean="0"/>
-              <a:t>5/9/2023</a:t>
+              <a:t>5/13/2023</a:t>
             </a:fld>
             <a:endParaRPr lang="en-US"/>
           </a:p>
@@ -1607,7 +1609,7 @@
           <a:p>
             <a:fld id="{9F6CE53A-20B2-4B8E-A67F-0179AE165EFA}" type="datetimeFigureOut">
               <a:rPr lang="en-US" smtClean="0"/>
-              <a:t>5/9/2023</a:t>
+              <a:t>5/13/2023</a:t>
             </a:fld>
             <a:endParaRPr lang="en-US"/>
           </a:p>
@@ -1725,7 +1727,7 @@
           <a:p>
             <a:fld id="{9F6CE53A-20B2-4B8E-A67F-0179AE165EFA}" type="datetimeFigureOut">
               <a:rPr lang="en-US" smtClean="0"/>
-              <a:t>5/9/2023</a:t>
+              <a:t>5/13/2023</a:t>
             </a:fld>
             <a:endParaRPr lang="en-US"/>
           </a:p>
@@ -1820,7 +1822,7 @@
           <a:p>
             <a:fld id="{9F6CE53A-20B2-4B8E-A67F-0179AE165EFA}" type="datetimeFigureOut">
               <a:rPr lang="en-US" smtClean="0"/>
-              <a:t>5/9/2023</a:t>
+              <a:t>5/13/2023</a:t>
             </a:fld>
             <a:endParaRPr lang="en-US"/>
           </a:p>
@@ -2097,7 +2099,7 @@
           <a:p>
             <a:fld id="{9F6CE53A-20B2-4B8E-A67F-0179AE165EFA}" type="datetimeFigureOut">
               <a:rPr lang="en-US" smtClean="0"/>
-              <a:t>5/9/2023</a:t>
+              <a:t>5/13/2023</a:t>
             </a:fld>
             <a:endParaRPr lang="en-US"/>
           </a:p>
@@ -2354,7 +2356,7 @@
           <a:p>
             <a:fld id="{9F6CE53A-20B2-4B8E-A67F-0179AE165EFA}" type="datetimeFigureOut">
               <a:rPr lang="en-US" smtClean="0"/>
-              <a:t>5/9/2023</a:t>
+              <a:t>5/13/2023</a:t>
             </a:fld>
             <a:endParaRPr lang="en-US"/>
           </a:p>
@@ -2567,7 +2569,7 @@
           <a:p>
             <a:fld id="{9F6CE53A-20B2-4B8E-A67F-0179AE165EFA}" type="datetimeFigureOut">
               <a:rPr lang="en-US" smtClean="0"/>
-              <a:t>5/9/2023</a:t>
+              <a:t>5/13/2023</a:t>
             </a:fld>
             <a:endParaRPr lang="en-US"/>
           </a:p>
@@ -3798,8 +3800,113 @@
         </p:nvSpPr>
         <p:spPr>
           <a:xfrm>
-            <a:off x="280416" y="334762"/>
-            <a:ext cx="3340608" cy="2292935"/>
+            <a:off x="170689" y="164148"/>
+            <a:ext cx="3852671" cy="2800767"/>
+          </a:xfrm>
+          <a:prstGeom prst="rect">
+            <a:avLst/>
+          </a:prstGeom>
+          <a:solidFill>
+            <a:schemeClr val="accent4">
+              <a:lumMod val="20000"/>
+              <a:lumOff val="80000"/>
+            </a:schemeClr>
+          </a:solidFill>
+        </p:spPr>
+        <p:txBody>
+          <a:bodyPr wrap="square" rtlCol="0">
+            <a:spAutoFit/>
+          </a:bodyPr>
+          <a:lstStyle/>
+          <a:p>
+            <a:r>
+              <a:rPr lang="en-US" sz="1100" dirty="0" smtClean="0"/>
+              <a:t>Xin chao.</a:t>
+            </a:r>
+          </a:p>
+          <a:p>
+            <a:r>
+              <a:rPr lang="en-US" sz="1100" dirty="0" smtClean="0"/>
+              <a:t>Firstly, i want to say thanks for all of you to arrange time to interview me today</a:t>
+            </a:r>
+          </a:p>
+          <a:p>
+            <a:r>
+              <a:rPr lang="en-US" sz="1100" dirty="0" smtClean="0"/>
+              <a:t>My name is Nguyen Van Quy from QV PAE dept.</a:t>
+            </a:r>
+          </a:p>
+          <a:p>
+            <a:r>
+              <a:rPr lang="en-US" sz="1100" dirty="0" smtClean="0"/>
+              <a:t>I have worked at canon for 7 years.</a:t>
+            </a:r>
+          </a:p>
+          <a:p>
+            <a:r>
+              <a:rPr lang="en-US" sz="1100" dirty="0" smtClean="0"/>
+              <a:t>Currently, I have 3 main jobs.</a:t>
+            </a:r>
+          </a:p>
+          <a:p>
+            <a:pPr marL="228600" indent="-228600">
+              <a:buAutoNum type="arabicPeriod"/>
+            </a:pPr>
+            <a:r>
+              <a:rPr lang="en-US" sz="1100" dirty="0" smtClean="0"/>
+              <a:t>Leader build up “Die management system” </a:t>
+            </a:r>
+            <a:r>
+              <a:rPr lang="en-US" sz="1100" dirty="0" smtClean="0"/>
+              <a:t>to manage all LBP dies</a:t>
+            </a:r>
+            <a:endParaRPr lang="en-US" sz="1100" dirty="0" smtClean="0"/>
+          </a:p>
+          <a:p>
+            <a:pPr marL="228600" indent="-228600">
+              <a:buAutoNum type="arabicPeriod"/>
+            </a:pPr>
+            <a:r>
+              <a:rPr lang="en-US" sz="1100" dirty="0" smtClean="0"/>
+              <a:t>Leadder of MP cost reduction activities such as optimize renewal and adtional die making, reduce cycle time, reduce material</a:t>
+            </a:r>
+          </a:p>
+          <a:p>
+            <a:pPr marL="228600" indent="-228600">
+              <a:buAutoNum type="arabicPeriod"/>
+            </a:pPr>
+            <a:r>
+              <a:rPr lang="en-US" sz="1100" dirty="0" smtClean="0"/>
+              <a:t>Leader take care solving and prevent troubles in Mass production</a:t>
+            </a:r>
+          </a:p>
+          <a:p>
+            <a:endParaRPr lang="en-US" sz="1100" dirty="0"/>
+          </a:p>
+          <a:p>
+            <a:r>
+              <a:rPr lang="en-US" sz="1100" dirty="0" smtClean="0"/>
+              <a:t>This is a litle about myself.</a:t>
+            </a:r>
+          </a:p>
+          <a:p>
+            <a:r>
+              <a:rPr lang="en-US" sz="1100" dirty="0" smtClean="0"/>
+              <a:t>Thank you!</a:t>
+            </a:r>
+          </a:p>
+        </p:txBody>
+      </p:sp>
+      <p:sp>
+        <p:nvSpPr>
+          <p:cNvPr id="3" name="TextBox 2"/>
+          <p:cNvSpPr txBox="1"/>
+          <p:nvPr/>
+        </p:nvSpPr>
+        <p:spPr>
+          <a:xfrm>
+            <a:off x="4108704" y="164147"/>
+            <a:ext cx="4194048" cy="600164"/>
           </a:xfrm>
           <a:prstGeom prst="rect">
             <a:avLst/>
@@ -3814,45 +3921,34 @@
           <a:p>
             <a:r>
               <a:rPr lang="en-US" sz="1100" b="1" dirty="0" smtClean="0"/>
-              <a:t>Difficutty &amp; over come ?</a:t>
-            </a:r>
-          </a:p>
-          <a:p>
-            <a:r>
-              <a:rPr lang="en-US" sz="1100" dirty="0" smtClean="0"/>
-              <a:t>- One of my mission is manage and solving dies problem is mass production.</a:t>
-            </a:r>
-          </a:p>
-          <a:p>
-            <a:r>
-              <a:rPr lang="en-US" sz="1100" dirty="0" smtClean="0"/>
-              <a:t>And may be you know LBP we have about 5000 dies and it increase each year. It is big die amount and dificult for me to manage all to take neccesary Q,C,D action quicky.</a:t>
-            </a:r>
-          </a:p>
-          <a:p>
-            <a:endParaRPr lang="en-US" sz="1100" dirty="0"/>
-          </a:p>
-          <a:p>
-            <a:r>
-              <a:rPr lang="en-US" sz="1100" dirty="0" smtClean="0"/>
-              <a:t>To overcome it. I co-operate with PE,PUR div, MQA,PDC, ACC to build up die mangement system to controll, visualize die status, die trouble, all process of die from make bugdit till disposed.</a:t>
-            </a:r>
-          </a:p>
-          <a:p>
-            <a:endParaRPr lang="en-US" sz="1100" dirty="0"/>
-          </a:p>
-        </p:txBody>
-      </p:sp>
-      <p:sp>
-        <p:nvSpPr>
-          <p:cNvPr id="4" name="TextBox 3"/>
+              <a:t>What is die management system?</a:t>
+            </a:r>
+          </a:p>
+          <a:p>
+            <a:r>
+              <a:rPr lang="en-US" sz="1100" dirty="0" smtClean="0"/>
+              <a:t>This system we manage all of LBP dies from budgit until die dispose.</a:t>
+            </a:r>
+          </a:p>
+          <a:p>
+            <a:r>
+              <a:rPr lang="en-US" sz="1100" dirty="0" smtClean="0"/>
+              <a:t>It will visalize die status, die heath so we can take action QCD quickly</a:t>
+            </a:r>
+            <a:endParaRPr lang="en-US" sz="1100" dirty="0" smtClean="0"/>
+          </a:p>
+        </p:txBody>
+      </p:sp>
+      <p:sp>
+        <p:nvSpPr>
+          <p:cNvPr id="7" name="TextBox 6"/>
           <p:cNvSpPr txBox="1"/>
           <p:nvPr/>
         </p:nvSpPr>
         <p:spPr>
           <a:xfrm>
-            <a:off x="280416" y="2467039"/>
-            <a:ext cx="3340608" cy="769441"/>
+            <a:off x="170687" y="3053651"/>
+            <a:ext cx="3852671" cy="769441"/>
           </a:xfrm>
           <a:prstGeom prst="rect">
             <a:avLst/>
@@ -3867,28 +3963,28 @@
           <a:p>
             <a:r>
               <a:rPr lang="en-US" sz="1100" b="1" dirty="0" smtClean="0"/>
-              <a:t>What is biggist archivement?</a:t>
-            </a:r>
-          </a:p>
-          <a:p>
-            <a:r>
-              <a:rPr lang="en-US" sz="1100" dirty="0" smtClean="0"/>
-              <a:t>My achievement is success build up DMS to control and visualize die status, die trouble, all procecc of die from make bugdit till die disposed.</a:t>
-            </a:r>
-            <a:endParaRPr lang="en-US" sz="1100" dirty="0"/>
-          </a:p>
-        </p:txBody>
-      </p:sp>
-      <p:sp>
-        <p:nvSpPr>
-          <p:cNvPr id="5" name="TextBox 4"/>
+              <a:t>What is biggist result / achivement?</a:t>
+            </a:r>
+          </a:p>
+          <a:p>
+            <a:r>
+              <a:rPr lang="en-US" sz="1100" dirty="0" smtClean="0"/>
+              <a:t>I am success build up Die management system to manage all LBP die to visualize die status, die trouble, all process of die from budget until die dispose.</a:t>
+            </a:r>
+            <a:endParaRPr lang="en-US" sz="1100" dirty="0" smtClean="0"/>
+          </a:p>
+        </p:txBody>
+      </p:sp>
+      <p:sp>
+        <p:nvSpPr>
+          <p:cNvPr id="8" name="TextBox 7"/>
           <p:cNvSpPr txBox="1"/>
           <p:nvPr/>
         </p:nvSpPr>
         <p:spPr>
           <a:xfrm>
-            <a:off x="4035552" y="403550"/>
-            <a:ext cx="4133088" cy="430887"/>
+            <a:off x="170686" y="3911828"/>
+            <a:ext cx="3852671" cy="1615827"/>
           </a:xfrm>
           <a:prstGeom prst="rect">
             <a:avLst/>
@@ -3903,27 +3999,61 @@
           <a:p>
             <a:r>
               <a:rPr lang="en-US" sz="1100" b="1" dirty="0" smtClean="0"/>
-              <a:t>What is Die managemt system?</a:t>
-            </a:r>
-          </a:p>
-          <a:p>
-            <a:r>
-              <a:rPr lang="en-US" sz="1100" dirty="0" smtClean="0"/>
-              <a:t>This is sytem to manage all LBP dies from bugdit till die disposed.</a:t>
-            </a:r>
-          </a:p>
-        </p:txBody>
-      </p:sp>
-      <p:sp>
-        <p:nvSpPr>
-          <p:cNvPr id="6" name="TextBox 5"/>
+              <a:t>What did you do to archived it?</a:t>
+            </a:r>
+          </a:p>
+          <a:p>
+            <a:r>
+              <a:rPr lang="en-US" sz="1100" dirty="0" smtClean="0"/>
+              <a:t>There are 2 main things i need to do.</a:t>
+            </a:r>
+          </a:p>
+          <a:p>
+            <a:pPr marL="228600" indent="-228600">
+              <a:buAutoNum type="arabicPeriod"/>
+            </a:pPr>
+            <a:r>
+              <a:rPr lang="en-US" sz="1100" dirty="0" smtClean="0"/>
+              <a:t>Make operation </a:t>
+            </a:r>
+            <a:r>
+              <a:rPr lang="en-US" sz="1100" dirty="0"/>
+              <a:t>flow: </a:t>
+            </a:r>
+            <a:r>
+              <a:rPr lang="en-US" sz="1100" dirty="0" smtClean="0"/>
+              <a:t> </a:t>
+            </a:r>
+            <a:r>
+              <a:rPr lang="en-US" sz="1100" dirty="0"/>
+              <a:t>to make it i need unsderstand deeply  about engineer job and understand work flow not only PAE but also others </a:t>
+            </a:r>
+            <a:r>
+              <a:rPr lang="en-US" sz="1100" dirty="0" smtClean="0"/>
+              <a:t>department.</a:t>
+            </a:r>
+          </a:p>
+          <a:p>
+            <a:pPr marL="228600" indent="-228600">
+              <a:buAutoNum type="arabicPeriod"/>
+            </a:pPr>
+            <a:r>
+              <a:rPr lang="en-US" sz="1100" dirty="0" smtClean="0"/>
+              <a:t>Make a web: normally This is IT job. But this system was made by engineer, by myself. Because just only PAE undersand deeply about die opeartion and proactive to kaizen if any not suiable?</a:t>
+            </a:r>
+          </a:p>
+        </p:txBody>
+      </p:sp>
+      <p:sp>
+        <p:nvSpPr>
+          <p:cNvPr id="9" name="TextBox 8"/>
           <p:cNvSpPr txBox="1"/>
           <p:nvPr/>
         </p:nvSpPr>
         <p:spPr>
           <a:xfrm>
-            <a:off x="280416" y="3151841"/>
-            <a:ext cx="3340608" cy="1785104"/>
+            <a:off x="170686" y="5527655"/>
+            <a:ext cx="3852671" cy="1785104"/>
           </a:xfrm>
           <a:prstGeom prst="rect">
             <a:avLst/>
@@ -3938,13 +4068,13 @@
           <a:p>
             <a:r>
               <a:rPr lang="en-US" sz="1100" b="1" dirty="0" smtClean="0"/>
-              <a:t>What did you do to archive it?</a:t>
-            </a:r>
-          </a:p>
-          <a:p>
-            <a:r>
-              <a:rPr lang="en-US" sz="1100" dirty="0" smtClean="0"/>
-              <a:t>There are 2 things i need to do?</a:t>
+              <a:t>Why you/PAE make this system / mission?</a:t>
+            </a:r>
+          </a:p>
+          <a:p>
+            <a:r>
+              <a:rPr lang="en-US" sz="1100" dirty="0" smtClean="0"/>
+              <a:t>There are 2 main reason.</a:t>
             </a:r>
           </a:p>
           <a:p>
@@ -3953,7 +4083,11 @@
             </a:pPr>
             <a:r>
               <a:rPr lang="en-US" sz="1100" dirty="0" smtClean="0"/>
-              <a:t>Make opearation flow, to make it i need unsderstand deeply  about engineer job and understand work flow not only PAE but also others department.</a:t>
+              <a:t>Our mission is manage all LBP die about </a:t>
+            </a:r>
+            <a:r>
+              <a:rPr lang="en-US" sz="1100" dirty="0" smtClean="0"/>
+              <a:t>5000 dies and it increase each years. We need to know die status, progress to take quickly neccesssy action for QCD. But with big die amount will be difficult for me, for PAE to manual collect data, manual manage, manaual verify by exel, by each controlist of each group.</a:t>
             </a:r>
           </a:p>
           <a:p>
@@ -3962,21 +4096,21 @@
             </a:pPr>
             <a:r>
               <a:rPr lang="en-US" sz="1100" dirty="0" smtClean="0"/>
-              <a:t>Program(make web). May you think  program will make by IT, But not, i was make by me, That time IT man power not enough so i was studied and make it.</a:t>
-            </a:r>
-          </a:p>
-        </p:txBody>
-      </p:sp>
-      <p:sp>
-        <p:nvSpPr>
-          <p:cNvPr id="7" name="TextBox 6"/>
+              <a:t>Only PAE can overall and we need understand die heaths for each die and take action to make good parts</a:t>
+            </a:r>
+          </a:p>
+        </p:txBody>
+      </p:sp>
+      <p:sp>
+        <p:nvSpPr>
+          <p:cNvPr id="10" name="TextBox 9"/>
           <p:cNvSpPr txBox="1"/>
           <p:nvPr/>
         </p:nvSpPr>
         <p:spPr>
           <a:xfrm>
-            <a:off x="280416" y="6899795"/>
-            <a:ext cx="3340608" cy="2462213"/>
+            <a:off x="170685" y="7312759"/>
+            <a:ext cx="3852671" cy="1785104"/>
           </a:xfrm>
           <a:prstGeom prst="rect">
             <a:avLst/>
@@ -3991,13 +4125,21 @@
           <a:p>
             <a:r>
               <a:rPr lang="en-US" sz="1100" b="1" dirty="0" smtClean="0"/>
-              <a:t>Why you make this system?</a:t>
-            </a:r>
-          </a:p>
-          <a:p>
-            <a:r>
-              <a:rPr lang="en-US" sz="1100" dirty="0" smtClean="0"/>
-              <a:t>There are to reason:</a:t>
+              <a:t>What is dificulty when buid DMS?</a:t>
+            </a:r>
+          </a:p>
+          <a:p>
+            <a:r>
+              <a:rPr lang="en-US" sz="1100" dirty="0" smtClean="0"/>
+              <a:t>To make DMS, i have to do 2 things</a:t>
+            </a:r>
+            <a:r>
+              <a:rPr lang="en-US" sz="1100" dirty="0"/>
+              <a:t> </a:t>
+            </a:r>
+            <a:r>
+              <a:rPr lang="en-US" sz="1100" dirty="0" smtClean="0"/>
+              <a:t>and i got difficult on to think</a:t>
             </a:r>
           </a:p>
           <a:p>
@@ -4006,7 +4148,359 @@
             </a:pPr>
             <a:r>
               <a:rPr lang="en-US" sz="1100" dirty="0" smtClean="0"/>
-              <a:t>When i was a new commer,one of my job is solving die trouble. To solving trouble i need to confirm many information in some control list, look up history, doccument in many forder somewhere, it take a lot of time and difficult for new commer, I wonder why know system control it?</a:t>
+              <a:t>Make opeation flow for system. That time i belive in myself about Engingeer job and PAE work flow. But this not enoung, i need undestand other department work flow related to dies. So i hold meeting all related Dept in Engneer DIV, PUR div, QA, ACC to get support and gether their flow.</a:t>
+            </a:r>
+          </a:p>
+          <a:p>
+            <a:pPr marL="228600" indent="-228600">
+              <a:buAutoNum type="arabicPeriod" startAt="2"/>
+            </a:pPr>
+            <a:r>
+              <a:rPr lang="en-US" sz="1100" dirty="0" smtClean="0"/>
+              <a:t>Make a web. We meeting with IT TL,QV but they also have other project so not enough manpower so i was studied and made by myself – no waiting</a:t>
+            </a:r>
+          </a:p>
+        </p:txBody>
+      </p:sp>
+      <p:sp>
+        <p:nvSpPr>
+          <p:cNvPr id="11" name="TextBox 10"/>
+          <p:cNvSpPr txBox="1"/>
+          <p:nvPr/>
+        </p:nvSpPr>
+        <p:spPr>
+          <a:xfrm>
+            <a:off x="4108704" y="795089"/>
+            <a:ext cx="4194048" cy="600164"/>
+          </a:xfrm>
+          <a:prstGeom prst="rect">
+            <a:avLst/>
+          </a:prstGeom>
+          <a:noFill/>
+        </p:spPr>
+        <p:txBody>
+          <a:bodyPr wrap="square" rtlCol="0">
+            <a:spAutoFit/>
+          </a:bodyPr>
+          <a:lstStyle/>
+          <a:p>
+            <a:r>
+              <a:rPr lang="en-US" sz="1100" b="1" dirty="0" smtClean="0"/>
+              <a:t>What is die management system?</a:t>
+            </a:r>
+          </a:p>
+          <a:p>
+            <a:r>
+              <a:rPr lang="en-US" sz="1100" dirty="0" smtClean="0"/>
+              <a:t>This system we manage all of LBP dies from budgit until die dispose.</a:t>
+            </a:r>
+          </a:p>
+          <a:p>
+            <a:r>
+              <a:rPr lang="en-US" sz="1100" dirty="0" smtClean="0"/>
+              <a:t>It will visalize die status, die heath so we can take action QCD quickly</a:t>
+            </a:r>
+            <a:endParaRPr lang="en-US" sz="1100" dirty="0" smtClean="0"/>
+          </a:p>
+        </p:txBody>
+      </p:sp>
+      <p:sp>
+        <p:nvSpPr>
+          <p:cNvPr id="12" name="TextBox 11"/>
+          <p:cNvSpPr txBox="1"/>
+          <p:nvPr/>
+        </p:nvSpPr>
+        <p:spPr>
+          <a:xfrm>
+            <a:off x="4108704" y="1421512"/>
+            <a:ext cx="4133088" cy="600164"/>
+          </a:xfrm>
+          <a:prstGeom prst="rect">
+            <a:avLst/>
+          </a:prstGeom>
+          <a:noFill/>
+        </p:spPr>
+        <p:txBody>
+          <a:bodyPr wrap="square" rtlCol="0">
+            <a:spAutoFit/>
+          </a:bodyPr>
+          <a:lstStyle/>
+          <a:p>
+            <a:r>
+              <a:rPr lang="en-US" sz="1100" b="1" dirty="0" smtClean="0"/>
+              <a:t>What this system mangage?</a:t>
+            </a:r>
+          </a:p>
+          <a:p>
+            <a:r>
+              <a:rPr lang="en-US" sz="1100" dirty="0" smtClean="0"/>
+              <a:t>We manage all procee of die like, issue MR, PO, control new die launching, die transfer, die trouble, die dispose</a:t>
+            </a:r>
+          </a:p>
+        </p:txBody>
+      </p:sp>
+      <p:sp>
+        <p:nvSpPr>
+          <p:cNvPr id="13" name="TextBox 12"/>
+          <p:cNvSpPr txBox="1"/>
+          <p:nvPr/>
+        </p:nvSpPr>
+        <p:spPr>
+          <a:xfrm>
+            <a:off x="4108704" y="2068304"/>
+            <a:ext cx="4133088" cy="938719"/>
+          </a:xfrm>
+          <a:prstGeom prst="rect">
+            <a:avLst/>
+          </a:prstGeom>
+          <a:noFill/>
+        </p:spPr>
+        <p:txBody>
+          <a:bodyPr wrap="square" rtlCol="0">
+            <a:spAutoFit/>
+          </a:bodyPr>
+          <a:lstStyle/>
+          <a:p>
+            <a:r>
+              <a:rPr lang="en-US" sz="1100" b="1" dirty="0" smtClean="0"/>
+              <a:t>What/how is system viasulize?</a:t>
+            </a:r>
+          </a:p>
+          <a:p>
+            <a:r>
+              <a:rPr lang="en-US" sz="1100" dirty="0" smtClean="0"/>
+              <a:t>System will visualize die status.</a:t>
+            </a:r>
+          </a:p>
+          <a:p>
+            <a:r>
+              <a:rPr lang="en-US" sz="1100" dirty="0" smtClean="0"/>
+              <a:t>Die in MP, I will show us die is under wanrranty or overlife</a:t>
+            </a:r>
+          </a:p>
+          <a:p>
+            <a:r>
+              <a:rPr lang="en-US" sz="1100" dirty="0" smtClean="0"/>
+              <a:t>Die under making will show progress</a:t>
+            </a:r>
+          </a:p>
+          <a:p>
+            <a:r>
+              <a:rPr lang="en-US" sz="1100" dirty="0" smtClean="0"/>
+              <a:t>Die trouble will show what kind of trouble, history of trouble</a:t>
+            </a:r>
+          </a:p>
+        </p:txBody>
+      </p:sp>
+      <p:sp>
+        <p:nvSpPr>
+          <p:cNvPr id="14" name="TextBox 13"/>
+          <p:cNvSpPr txBox="1"/>
+          <p:nvPr/>
+        </p:nvSpPr>
+        <p:spPr>
+          <a:xfrm>
+            <a:off x="4108704" y="3053651"/>
+            <a:ext cx="4133088" cy="1277273"/>
+          </a:xfrm>
+          <a:prstGeom prst="rect">
+            <a:avLst/>
+          </a:prstGeom>
+          <a:noFill/>
+        </p:spPr>
+        <p:txBody>
+          <a:bodyPr wrap="square" rtlCol="0">
+            <a:spAutoFit/>
+          </a:bodyPr>
+          <a:lstStyle/>
+          <a:p>
+            <a:r>
+              <a:rPr lang="en-US" sz="1100" b="1" dirty="0" smtClean="0"/>
+              <a:t>What is system output/ benefit?</a:t>
+            </a:r>
+          </a:p>
+          <a:p>
+            <a:r>
+              <a:rPr lang="en-US" sz="1100" dirty="0" smtClean="0"/>
+              <a:t>At first, i think every system will give use out put like remove wasting time, remove print paper, remove boring job like input control list,... Beside that DMS will give us out put about manage Quality, Cost, Dilivery.</a:t>
+            </a:r>
+          </a:p>
+          <a:p>
+            <a:r>
+              <a:rPr lang="en-US" sz="1100" dirty="0" smtClean="0"/>
+              <a:t>Ex: system manage die shot so we can take soon action to extend die life and also reduce cost for repair or renew</a:t>
+            </a:r>
+          </a:p>
+        </p:txBody>
+      </p:sp>
+      <p:sp>
+        <p:nvSpPr>
+          <p:cNvPr id="15" name="TextBox 14"/>
+          <p:cNvSpPr txBox="1"/>
+          <p:nvPr/>
+        </p:nvSpPr>
+        <p:spPr>
+          <a:xfrm>
+            <a:off x="4108704" y="4377552"/>
+            <a:ext cx="4133088" cy="4662815"/>
+          </a:xfrm>
+          <a:prstGeom prst="rect">
+            <a:avLst/>
+          </a:prstGeom>
+          <a:noFill/>
+        </p:spPr>
+        <p:txBody>
+          <a:bodyPr wrap="square" rtlCol="0">
+            <a:spAutoFit/>
+          </a:bodyPr>
+          <a:lstStyle/>
+          <a:p>
+            <a:r>
+              <a:rPr lang="en-US" sz="1100" b="1" dirty="0" smtClean="0"/>
+              <a:t>TL has DMS or not?</a:t>
+            </a:r>
+          </a:p>
+          <a:p>
+            <a:r>
+              <a:rPr lang="en-US" sz="1100" dirty="0" smtClean="0"/>
+              <a:t>Yes, TL factory has DMS like QV</a:t>
+            </a:r>
+          </a:p>
+          <a:p>
+            <a:endParaRPr lang="en-US" sz="1100" dirty="0" smtClean="0"/>
+          </a:p>
+          <a:p>
+            <a:r>
+              <a:rPr lang="en-US" sz="1100" b="1" dirty="0" smtClean="0"/>
+              <a:t>Is it same?</a:t>
+            </a:r>
+            <a:endParaRPr lang="en-US" sz="1100" b="1" dirty="0"/>
+          </a:p>
+          <a:p>
+            <a:r>
+              <a:rPr lang="en-US" sz="1100" dirty="0" smtClean="0"/>
+              <a:t>Before it not same but now We TL &amp; QV try to make it same as one CVN</a:t>
+            </a:r>
+          </a:p>
+          <a:p>
+            <a:endParaRPr lang="en-US" sz="1100" dirty="0"/>
+          </a:p>
+          <a:p>
+            <a:r>
+              <a:rPr lang="en-US" sz="1100" b="1" dirty="0" smtClean="0"/>
+              <a:t>Why not combie TL &amp; QV?</a:t>
+            </a:r>
+          </a:p>
+          <a:p>
+            <a:r>
+              <a:rPr lang="en-US" sz="1100" dirty="0" smtClean="0"/>
+              <a:t>With the goal “One CVN” combie TL and QV is best way.</a:t>
+            </a:r>
+          </a:p>
+          <a:p>
+            <a:r>
+              <a:rPr lang="en-US" sz="1100" dirty="0" smtClean="0"/>
+              <a:t>Follow this policy, in 2019 we go to TL to meeting about this system and combie for QV, We tried test at QV but many trouble happen, the opearation of QV &amp; TL is diffirent. To combie we need need revise all procude or TL need revise system. All will effect many thing many dept so the best way is QV make DMS to manage LBP dies.</a:t>
+            </a:r>
+          </a:p>
+          <a:p>
+            <a:endParaRPr lang="en-US" sz="1100" dirty="0" smtClean="0"/>
+          </a:p>
+          <a:p>
+            <a:r>
+              <a:rPr lang="en-US" sz="1100" b="1" dirty="0" smtClean="0"/>
+              <a:t>Example diffirent?</a:t>
+            </a:r>
+          </a:p>
+          <a:p>
+            <a:r>
+              <a:rPr lang="en-US" sz="1100" dirty="0" smtClean="0"/>
+              <a:t>To issue MR:</a:t>
+            </a:r>
+          </a:p>
+          <a:p>
+            <a:r>
+              <a:rPr lang="en-US" sz="1100" dirty="0" smtClean="0"/>
+              <a:t>QV: PUR issue request issue after they got QTN</a:t>
+            </a:r>
+          </a:p>
+          <a:p>
+            <a:r>
+              <a:rPr lang="en-US" sz="1100" dirty="0" smtClean="0"/>
+              <a:t>TL: Enginner div issue, when issue they dont know </a:t>
+            </a:r>
+            <a:r>
+              <a:rPr lang="en-US" sz="1100" dirty="0" smtClean="0"/>
+              <a:t>QTN</a:t>
+            </a:r>
+          </a:p>
+          <a:p>
+            <a:endParaRPr lang="en-US" sz="1100" dirty="0"/>
+          </a:p>
+          <a:p>
+            <a:r>
+              <a:rPr lang="en-US" sz="1100" b="1" dirty="0" smtClean="0"/>
+              <a:t>Which is better?</a:t>
+            </a:r>
+          </a:p>
+          <a:p>
+            <a:r>
+              <a:rPr lang="en-US" sz="1100" dirty="0" smtClean="0"/>
+              <a:t>I think all is good, We want to make it like a master die database.</a:t>
+            </a:r>
+          </a:p>
+          <a:p>
+            <a:r>
+              <a:rPr lang="en-US" sz="1100" dirty="0" smtClean="0"/>
+              <a:t>How ever there are some diffirent:</a:t>
+            </a:r>
+          </a:p>
+          <a:p>
+            <a:r>
+              <a:rPr lang="en-US" sz="1100" dirty="0" smtClean="0"/>
+              <a:t>TL: Opereation made by PAE and transfer to TIM members to make web</a:t>
+            </a:r>
+          </a:p>
+          <a:p>
+            <a:r>
+              <a:rPr lang="en-US" sz="1100" dirty="0" smtClean="0"/>
+              <a:t>QV:  all Made by PAE engineer so even thouhg QV make after TL but some good function we go first and now TL is refer us</a:t>
+            </a:r>
+            <a:endParaRPr lang="en-US" sz="1100" dirty="0" smtClean="0"/>
+          </a:p>
+        </p:txBody>
+      </p:sp>
+      <p:sp>
+        <p:nvSpPr>
+          <p:cNvPr id="16" name="TextBox 15"/>
+          <p:cNvSpPr txBox="1"/>
+          <p:nvPr/>
+        </p:nvSpPr>
+        <p:spPr>
+          <a:xfrm>
+            <a:off x="8497824" y="164147"/>
+            <a:ext cx="4194048" cy="1277273"/>
+          </a:xfrm>
+          <a:prstGeom prst="rect">
+            <a:avLst/>
+          </a:prstGeom>
+          <a:noFill/>
+        </p:spPr>
+        <p:txBody>
+          <a:bodyPr wrap="square" rtlCol="0">
+            <a:spAutoFit/>
+          </a:bodyPr>
+          <a:lstStyle/>
+          <a:p>
+            <a:r>
+              <a:rPr lang="en-US" sz="1100" b="1" dirty="0" smtClean="0"/>
+              <a:t>What is your next plan?/ DMS goal?</a:t>
+            </a:r>
+          </a:p>
+          <a:p>
+            <a:r>
+              <a:rPr lang="en-US" sz="1100" b="1" dirty="0" smtClean="0"/>
+              <a:t>There are 2 thing i plan do more:</a:t>
             </a:r>
           </a:p>
           <a:p>
@@ -4015,6 +4509,639 @@
             </a:pPr>
             <a:r>
               <a:rPr lang="en-US" sz="1100" dirty="0" smtClean="0"/>
+              <a:t>Connect other CVN system to unify data and remove 100% boring jobs.</a:t>
+            </a:r>
+          </a:p>
+          <a:p>
+            <a:pPr marL="228600" indent="-228600">
+              <a:buAutoNum type="arabicPeriod"/>
+            </a:pPr>
+            <a:r>
+              <a:rPr lang="en-US" sz="1100" dirty="0" smtClean="0"/>
+              <a:t>This system very useful at CVN and i want to extend to other factory. </a:t>
+            </a:r>
+            <a:r>
+              <a:rPr lang="en-US" sz="1100" dirty="0" smtClean="0"/>
+              <a:t>I plan end of this year will sumarize all benefit and share it to Toride, from Toride will introduce to other factory ovesea</a:t>
+            </a:r>
+            <a:endParaRPr lang="en-US" sz="1100" dirty="0" smtClean="0"/>
+          </a:p>
+        </p:txBody>
+      </p:sp>
+      <p:sp>
+        <p:nvSpPr>
+          <p:cNvPr id="17" name="TextBox 16"/>
+          <p:cNvSpPr txBox="1"/>
+          <p:nvPr/>
+        </p:nvSpPr>
+        <p:spPr>
+          <a:xfrm>
+            <a:off x="8497824" y="1564531"/>
+            <a:ext cx="4194048" cy="938719"/>
+          </a:xfrm>
+          <a:prstGeom prst="rect">
+            <a:avLst/>
+          </a:prstGeom>
+          <a:noFill/>
+        </p:spPr>
+        <p:txBody>
+          <a:bodyPr wrap="square" rtlCol="0">
+            <a:spAutoFit/>
+          </a:bodyPr>
+          <a:lstStyle/>
+          <a:p>
+            <a:r>
+              <a:rPr lang="en-US" sz="1100" b="1" dirty="0" smtClean="0"/>
+              <a:t>What is boring jobd/ wast time you remove or reduce?</a:t>
+            </a:r>
+          </a:p>
+          <a:p>
+            <a:pPr marL="228600" indent="-228600">
+              <a:buAutoNum type="arabicPeriod"/>
+            </a:pPr>
+            <a:r>
+              <a:rPr lang="en-US" sz="1100" dirty="0" smtClean="0"/>
+              <a:t>Remove print out and transfer hard copy paper.</a:t>
+            </a:r>
+          </a:p>
+          <a:p>
+            <a:pPr marL="228600" indent="-228600">
+              <a:buAutoNum type="arabicPeriod"/>
+            </a:pPr>
+            <a:r>
+              <a:rPr lang="en-US" sz="1100" dirty="0" smtClean="0"/>
+              <a:t>Remove manual update control list and progress.</a:t>
+            </a:r>
+          </a:p>
+          <a:p>
+            <a:pPr marL="228600" indent="-228600">
+              <a:buAutoNum type="arabicPeriod"/>
+            </a:pPr>
+            <a:r>
+              <a:rPr lang="en-US" sz="1100" dirty="0" smtClean="0"/>
+              <a:t>Remove asking data from other dept</a:t>
+            </a:r>
+          </a:p>
+          <a:p>
+            <a:pPr marL="228600" indent="-228600">
+              <a:buAutoNum type="arabicPeriod"/>
+            </a:pPr>
+            <a:r>
+              <a:rPr lang="en-US" sz="1100" dirty="0" smtClean="0"/>
+              <a:t>No need to collect data of each control list of each team.</a:t>
+            </a:r>
+          </a:p>
+        </p:txBody>
+      </p:sp>
+      <p:sp>
+        <p:nvSpPr>
+          <p:cNvPr id="18" name="TextBox 17"/>
+          <p:cNvSpPr txBox="1"/>
+          <p:nvPr/>
+        </p:nvSpPr>
+        <p:spPr>
+          <a:xfrm>
+            <a:off x="8497824" y="2626361"/>
+            <a:ext cx="4194048" cy="938719"/>
+          </a:xfrm>
+          <a:prstGeom prst="rect">
+            <a:avLst/>
+          </a:prstGeom>
+          <a:noFill/>
+        </p:spPr>
+        <p:txBody>
+          <a:bodyPr wrap="square" rtlCol="0">
+            <a:spAutoFit/>
+          </a:bodyPr>
+          <a:lstStyle/>
+          <a:p>
+            <a:r>
+              <a:rPr lang="en-US" sz="1100" b="1" dirty="0" smtClean="0"/>
+              <a:t>How to control bugdit</a:t>
+            </a:r>
+          </a:p>
+          <a:p>
+            <a:r>
+              <a:rPr lang="en-US" sz="1100" dirty="0" smtClean="0"/>
+              <a:t>1.  When issue MR, We know QTN for repair, new die so we will know it is espense or capital budget.</a:t>
+            </a:r>
+          </a:p>
+          <a:p>
+            <a:r>
+              <a:rPr lang="en-US" sz="1100" dirty="0" smtClean="0"/>
+              <a:t>2. We set Part due data, mean the date we payement. So each month we review which is ontime, which delay need to take action</a:t>
+            </a:r>
+          </a:p>
+        </p:txBody>
+      </p:sp>
+    </p:spTree>
+    <p:extLst>
+      <p:ext uri="{BB962C8B-B14F-4D97-AF65-F5344CB8AC3E}">
+        <p14:creationId xmlns:p14="http://schemas.microsoft.com/office/powerpoint/2010/main" val="1871521587"/>
+      </p:ext>
+    </p:extLst>
+  </p:cSld>
+  <p:clrMapOvr>
+    <a:masterClrMapping/>
+  </p:clrMapOvr>
+</p:sld>
+</file>
+
+<file path=ppt/slides/slide3.xml><?xml version="1.0" encoding="utf-8"?>
+<p:sld xmlns:a="http://schemas.openxmlformats.org/drawingml/2006/main" xmlns:r="http://schemas.openxmlformats.org/officeDocument/2006/relationships" xmlns:p="http://schemas.openxmlformats.org/presentationml/2006/main">
+  <p:cSld>
+    <p:spTree>
+      <p:nvGrpSpPr>
+        <p:cNvPr id="1" name=""/>
+        <p:cNvGrpSpPr/>
+        <p:nvPr/>
+      </p:nvGrpSpPr>
+      <p:grpSpPr>
+        <a:xfrm>
+          <a:off x="0" y="0"/>
+          <a:ext cx="0" cy="0"/>
+          <a:chOff x="0" y="0"/>
+          <a:chExt cx="0" cy="0"/>
+        </a:xfrm>
+      </p:grpSpPr>
+      <p:sp>
+        <p:nvSpPr>
+          <p:cNvPr id="2" name="TextBox 1"/>
+          <p:cNvSpPr txBox="1"/>
+          <p:nvPr/>
+        </p:nvSpPr>
+        <p:spPr>
+          <a:xfrm>
+            <a:off x="0" y="0"/>
+            <a:ext cx="1499616" cy="418128"/>
+          </a:xfrm>
+          <a:prstGeom prst="rect">
+            <a:avLst/>
+          </a:prstGeom>
+          <a:noFill/>
+        </p:spPr>
+        <p:txBody>
+          <a:bodyPr wrap="square" rtlCol="0">
+            <a:spAutoFit/>
+          </a:bodyPr>
+          <a:lstStyle/>
+          <a:p>
+            <a:r>
+              <a:rPr lang="en-US" dirty="0" smtClean="0"/>
+              <a:t>Cost Down</a:t>
+            </a:r>
+            <a:endParaRPr lang="en-US" dirty="0"/>
+          </a:p>
+        </p:txBody>
+      </p:sp>
+      <p:sp>
+        <p:nvSpPr>
+          <p:cNvPr id="3" name="TextBox 2"/>
+          <p:cNvSpPr txBox="1"/>
+          <p:nvPr/>
+        </p:nvSpPr>
+        <p:spPr>
+          <a:xfrm>
+            <a:off x="0" y="418128"/>
+            <a:ext cx="3852671" cy="938719"/>
+          </a:xfrm>
+          <a:prstGeom prst="rect">
+            <a:avLst/>
+          </a:prstGeom>
+          <a:noFill/>
+        </p:spPr>
+        <p:txBody>
+          <a:bodyPr wrap="square" rtlCol="0">
+            <a:spAutoFit/>
+          </a:bodyPr>
+          <a:lstStyle/>
+          <a:p>
+            <a:r>
+              <a:rPr lang="en-US" sz="1100" b="1" dirty="0" smtClean="0"/>
+              <a:t>What did  you do to get cost down?</a:t>
+            </a:r>
+          </a:p>
+          <a:p>
+            <a:r>
+              <a:rPr lang="en-US" sz="1100" dirty="0" smtClean="0"/>
+              <a:t>PAE we focus 2 things:</a:t>
+            </a:r>
+          </a:p>
+          <a:p>
+            <a:r>
+              <a:rPr lang="en-US" sz="1100" dirty="0" smtClean="0"/>
+              <a:t>Part cost: we reduce Cycle time, reduce material</a:t>
+            </a:r>
+          </a:p>
+          <a:p>
+            <a:r>
+              <a:rPr lang="en-US" sz="1100" dirty="0" smtClean="0"/>
+              <a:t>Die cost: we optimize make die like make family die, change die layout, overhaul die instead of make renew die</a:t>
+            </a:r>
+          </a:p>
+        </p:txBody>
+      </p:sp>
+      <p:sp>
+        <p:nvSpPr>
+          <p:cNvPr id="4" name="TextBox 3"/>
+          <p:cNvSpPr txBox="1"/>
+          <p:nvPr/>
+        </p:nvSpPr>
+        <p:spPr>
+          <a:xfrm>
+            <a:off x="42672" y="1442256"/>
+            <a:ext cx="3852671" cy="1277273"/>
+          </a:xfrm>
+          <a:prstGeom prst="rect">
+            <a:avLst/>
+          </a:prstGeom>
+          <a:noFill/>
+        </p:spPr>
+        <p:txBody>
+          <a:bodyPr wrap="square" rtlCol="0">
+            <a:spAutoFit/>
+          </a:bodyPr>
+          <a:lstStyle/>
+          <a:p>
+            <a:r>
+              <a:rPr lang="en-US" sz="1100" b="1" dirty="0" smtClean="0"/>
+              <a:t>Example reduce part cost/ Die cost:</a:t>
+            </a:r>
+          </a:p>
+          <a:p>
+            <a:r>
+              <a:rPr lang="en-US" sz="1100" dirty="0" smtClean="0"/>
+              <a:t>Last year some model increase production like L1170, so with high demaind we need one more die. After checking we can reduce CT of currrent die at supplier. So we go to supplier to reduce, after reduce CT we calculate no need more die so we can cost down 2 things: part cost current die &amp; die cost because no need make more die.</a:t>
+            </a:r>
+          </a:p>
+        </p:txBody>
+      </p:sp>
+      <p:sp>
+        <p:nvSpPr>
+          <p:cNvPr id="5" name="TextBox 4"/>
+          <p:cNvSpPr txBox="1"/>
+          <p:nvPr/>
+        </p:nvSpPr>
+        <p:spPr>
+          <a:xfrm>
+            <a:off x="42672" y="2793459"/>
+            <a:ext cx="3852671" cy="1277273"/>
+          </a:xfrm>
+          <a:prstGeom prst="rect">
+            <a:avLst/>
+          </a:prstGeom>
+          <a:noFill/>
+        </p:spPr>
+        <p:txBody>
+          <a:bodyPr wrap="square" rtlCol="0">
+            <a:spAutoFit/>
+          </a:bodyPr>
+          <a:lstStyle/>
+          <a:p>
+            <a:r>
+              <a:rPr lang="en-US" sz="1100" b="1" dirty="0" smtClean="0"/>
+              <a:t>What is difficulty when do CD activity?</a:t>
+            </a:r>
+          </a:p>
+          <a:p>
+            <a:r>
+              <a:rPr lang="en-US" sz="1100" dirty="0" smtClean="0"/>
+              <a:t>Last year we do new CD activity but we got a problem. We need Toride support for analize Mold flow. This is solfware support engineer investigate. So we need take time to make a doccument and waiting JP feedback. </a:t>
+            </a:r>
+            <a:endParaRPr lang="en-US" sz="1100" dirty="0"/>
+          </a:p>
+          <a:p>
+            <a:r>
+              <a:rPr lang="en-US" sz="1100" dirty="0" smtClean="0"/>
+              <a:t>But this year, Muto san approve us to buy this solfware for QV facoty, so we can proactive to investigate by ourself.</a:t>
+            </a:r>
+            <a:endParaRPr lang="en-US" sz="1100" dirty="0" smtClean="0"/>
+          </a:p>
+        </p:txBody>
+      </p:sp>
+      <p:sp>
+        <p:nvSpPr>
+          <p:cNvPr id="6" name="TextBox 5"/>
+          <p:cNvSpPr txBox="1"/>
+          <p:nvPr/>
+        </p:nvSpPr>
+        <p:spPr>
+          <a:xfrm>
+            <a:off x="42672" y="4155458"/>
+            <a:ext cx="3852671" cy="1954381"/>
+          </a:xfrm>
+          <a:prstGeom prst="rect">
+            <a:avLst/>
+          </a:prstGeom>
+          <a:noFill/>
+        </p:spPr>
+        <p:txBody>
+          <a:bodyPr wrap="square" rtlCol="0">
+            <a:spAutoFit/>
+          </a:bodyPr>
+          <a:lstStyle/>
+          <a:p>
+            <a:r>
+              <a:rPr lang="en-US" sz="1100" b="1" dirty="0" smtClean="0"/>
+              <a:t>Why cost down not achived the target?</a:t>
+            </a:r>
+          </a:p>
+          <a:p>
+            <a:r>
+              <a:rPr lang="en-US" sz="1100" b="1" dirty="0" smtClean="0"/>
+              <a:t>May you know, we focus CD 2 things: Part cost &amp; die cost.</a:t>
+            </a:r>
+          </a:p>
+          <a:p>
+            <a:r>
+              <a:rPr lang="en-US" sz="1100" b="1" dirty="0" smtClean="0"/>
+              <a:t>Die cost we can easy to get CD value . But part cost it is difficult for us to get CD value by some reason: </a:t>
+            </a:r>
+          </a:p>
+          <a:p>
+            <a:pPr marL="228600" indent="-228600">
+              <a:buAutoNum type="arabicPeriod"/>
+            </a:pPr>
+            <a:r>
+              <a:rPr lang="en-US" sz="1100" b="1" dirty="0" smtClean="0"/>
+              <a:t>Production reduce we effect to our estimate and also CD value.</a:t>
+            </a:r>
+          </a:p>
+          <a:p>
+            <a:pPr marL="228600" indent="-228600">
+              <a:buAutoNum type="arabicPeriod"/>
+            </a:pPr>
+            <a:r>
+              <a:rPr lang="en-US" sz="1100" b="1" dirty="0" smtClean="0"/>
+              <a:t>To get part CD it will need many department process. Example. We have ideas CD, we need to test, waiting PO approve, supplier make stock, repair die, wait FA, TVP judment. So it take long time.</a:t>
+            </a:r>
+          </a:p>
+          <a:p>
+            <a:pPr marL="228600" indent="-228600">
+              <a:buAutoNum type="arabicPeriod"/>
+            </a:pPr>
+            <a:r>
+              <a:rPr lang="en-US" sz="1100" b="1" dirty="0" smtClean="0"/>
+              <a:t>Some supplier they not accept us to get CD value.</a:t>
+            </a:r>
+          </a:p>
+        </p:txBody>
+      </p:sp>
+    </p:spTree>
+    <p:extLst>
+      <p:ext uri="{BB962C8B-B14F-4D97-AF65-F5344CB8AC3E}">
+        <p14:creationId xmlns:p14="http://schemas.microsoft.com/office/powerpoint/2010/main" val="3179439805"/>
+      </p:ext>
+    </p:extLst>
+  </p:cSld>
+  <p:clrMapOvr>
+    <a:masterClrMapping/>
+  </p:clrMapOvr>
+</p:sld>
+</file>
+
+<file path=ppt/slides/slide4.xml><?xml version="1.0" encoding="utf-8"?>
+<p:sld xmlns:a="http://schemas.openxmlformats.org/drawingml/2006/main" xmlns:r="http://schemas.openxmlformats.org/officeDocument/2006/relationships" xmlns:p="http://schemas.openxmlformats.org/presentationml/2006/main">
+  <p:cSld>
+    <p:spTree>
+      <p:nvGrpSpPr>
+        <p:cNvPr id="1" name=""/>
+        <p:cNvGrpSpPr/>
+        <p:nvPr/>
+      </p:nvGrpSpPr>
+      <p:grpSpPr>
+        <a:xfrm>
+          <a:off x="0" y="0"/>
+          <a:ext cx="0" cy="0"/>
+          <a:chOff x="0" y="0"/>
+          <a:chExt cx="0" cy="0"/>
+        </a:xfrm>
+      </p:grpSpPr>
+      <p:sp>
+        <p:nvSpPr>
+          <p:cNvPr id="2" name="TextBox 1"/>
+          <p:cNvSpPr txBox="1"/>
+          <p:nvPr/>
+        </p:nvSpPr>
+        <p:spPr>
+          <a:xfrm>
+            <a:off x="280416" y="334762"/>
+            <a:ext cx="3340608" cy="2292935"/>
+          </a:xfrm>
+          <a:prstGeom prst="rect">
+            <a:avLst/>
+          </a:prstGeom>
+          <a:noFill/>
+        </p:spPr>
+        <p:txBody>
+          <a:bodyPr wrap="square" rtlCol="0">
+            <a:spAutoFit/>
+          </a:bodyPr>
+          <a:lstStyle/>
+          <a:p>
+            <a:r>
+              <a:rPr lang="en-US" sz="1100" b="1" dirty="0" smtClean="0"/>
+              <a:t>Difficutty &amp; over come ?</a:t>
+            </a:r>
+          </a:p>
+          <a:p>
+            <a:r>
+              <a:rPr lang="en-US" sz="1100" dirty="0" smtClean="0"/>
+              <a:t>- One of my mission is manage and solving dies problem is mass production.</a:t>
+            </a:r>
+          </a:p>
+          <a:p>
+            <a:r>
+              <a:rPr lang="en-US" sz="1100" dirty="0" smtClean="0"/>
+              <a:t>And may be you know LBP we have about 5000 dies and it increase each year. It is big die amount and dificult for me to manage all to take neccesary Q,C,D action quicky.</a:t>
+            </a:r>
+          </a:p>
+          <a:p>
+            <a:endParaRPr lang="en-US" sz="1100" dirty="0"/>
+          </a:p>
+          <a:p>
+            <a:r>
+              <a:rPr lang="en-US" sz="1100" dirty="0" smtClean="0"/>
+              <a:t>To overcome it. I co-operate with PE,PUR div, MQA,PDC, ACC to build up die mangement system to controll, visualize die status, die trouble, all process of die from make bugdit till disposed.</a:t>
+            </a:r>
+          </a:p>
+          <a:p>
+            <a:endParaRPr lang="en-US" sz="1100" dirty="0"/>
+          </a:p>
+        </p:txBody>
+      </p:sp>
+      <p:sp>
+        <p:nvSpPr>
+          <p:cNvPr id="4" name="TextBox 3"/>
+          <p:cNvSpPr txBox="1"/>
+          <p:nvPr/>
+        </p:nvSpPr>
+        <p:spPr>
+          <a:xfrm>
+            <a:off x="280416" y="2467039"/>
+            <a:ext cx="3340608" cy="769441"/>
+          </a:xfrm>
+          <a:prstGeom prst="rect">
+            <a:avLst/>
+          </a:prstGeom>
+          <a:noFill/>
+        </p:spPr>
+        <p:txBody>
+          <a:bodyPr wrap="square" rtlCol="0">
+            <a:spAutoFit/>
+          </a:bodyPr>
+          <a:lstStyle/>
+          <a:p>
+            <a:r>
+              <a:rPr lang="en-US" sz="1100" b="1" dirty="0" smtClean="0"/>
+              <a:t>What is biggist archivement?</a:t>
+            </a:r>
+          </a:p>
+          <a:p>
+            <a:r>
+              <a:rPr lang="en-US" sz="1100" dirty="0" smtClean="0"/>
+              <a:t>My achievement is success build up DMS to control and visualize die status, die trouble, all procecc of die from make bugdit till die disposed.</a:t>
+            </a:r>
+            <a:endParaRPr lang="en-US" sz="1100" dirty="0"/>
+          </a:p>
+        </p:txBody>
+      </p:sp>
+      <p:sp>
+        <p:nvSpPr>
+          <p:cNvPr id="5" name="TextBox 4"/>
+          <p:cNvSpPr txBox="1"/>
+          <p:nvPr/>
+        </p:nvSpPr>
+        <p:spPr>
+          <a:xfrm>
+            <a:off x="4035552" y="403550"/>
+            <a:ext cx="4133088" cy="430887"/>
+          </a:xfrm>
+          <a:prstGeom prst="rect">
+            <a:avLst/>
+          </a:prstGeom>
+          <a:noFill/>
+        </p:spPr>
+        <p:txBody>
+          <a:bodyPr wrap="square" rtlCol="0">
+            <a:spAutoFit/>
+          </a:bodyPr>
+          <a:lstStyle/>
+          <a:p>
+            <a:r>
+              <a:rPr lang="en-US" sz="1100" b="1" dirty="0" smtClean="0"/>
+              <a:t>What is Die managemt system?</a:t>
+            </a:r>
+          </a:p>
+          <a:p>
+            <a:r>
+              <a:rPr lang="en-US" sz="1100" dirty="0" smtClean="0"/>
+              <a:t>This is sytem to manage all LBP dies from bugdit till die disposed.</a:t>
+            </a:r>
+          </a:p>
+        </p:txBody>
+      </p:sp>
+      <p:sp>
+        <p:nvSpPr>
+          <p:cNvPr id="6" name="TextBox 5"/>
+          <p:cNvSpPr txBox="1"/>
+          <p:nvPr/>
+        </p:nvSpPr>
+        <p:spPr>
+          <a:xfrm>
+            <a:off x="280416" y="3151841"/>
+            <a:ext cx="3340608" cy="1785104"/>
+          </a:xfrm>
+          <a:prstGeom prst="rect">
+            <a:avLst/>
+          </a:prstGeom>
+          <a:noFill/>
+        </p:spPr>
+        <p:txBody>
+          <a:bodyPr wrap="square" rtlCol="0">
+            <a:spAutoFit/>
+          </a:bodyPr>
+          <a:lstStyle/>
+          <a:p>
+            <a:r>
+              <a:rPr lang="en-US" sz="1100" b="1" dirty="0" smtClean="0"/>
+              <a:t>What did you do to archive it?</a:t>
+            </a:r>
+          </a:p>
+          <a:p>
+            <a:r>
+              <a:rPr lang="en-US" sz="1100" dirty="0" smtClean="0"/>
+              <a:t>There are 2 things i need to do?</a:t>
+            </a:r>
+          </a:p>
+          <a:p>
+            <a:pPr marL="228600" indent="-228600">
+              <a:buAutoNum type="arabicPeriod"/>
+            </a:pPr>
+            <a:r>
+              <a:rPr lang="en-US" sz="1100" dirty="0" smtClean="0"/>
+              <a:t>Make opearation flow, to make it i need unsderstand deeply  about engineer job and understand work flow not only PAE but also others department.</a:t>
+            </a:r>
+          </a:p>
+          <a:p>
+            <a:pPr marL="228600" indent="-228600">
+              <a:buAutoNum type="arabicPeriod"/>
+            </a:pPr>
+            <a:r>
+              <a:rPr lang="en-US" sz="1100" dirty="0" smtClean="0"/>
+              <a:t>Program(make web). May you think  program will make by IT, But not, i was make by me, That time IT man power not enough so i was studied and make it.</a:t>
+            </a:r>
+          </a:p>
+        </p:txBody>
+      </p:sp>
+      <p:sp>
+        <p:nvSpPr>
+          <p:cNvPr id="7" name="TextBox 6"/>
+          <p:cNvSpPr txBox="1"/>
+          <p:nvPr/>
+        </p:nvSpPr>
+        <p:spPr>
+          <a:xfrm>
+            <a:off x="280416" y="6899795"/>
+            <a:ext cx="3340608" cy="2462213"/>
+          </a:xfrm>
+          <a:prstGeom prst="rect">
+            <a:avLst/>
+          </a:prstGeom>
+          <a:noFill/>
+        </p:spPr>
+        <p:txBody>
+          <a:bodyPr wrap="square" rtlCol="0">
+            <a:spAutoFit/>
+          </a:bodyPr>
+          <a:lstStyle/>
+          <a:p>
+            <a:r>
+              <a:rPr lang="en-US" sz="1100" b="1" dirty="0" smtClean="0"/>
+              <a:t>Why you make this system?</a:t>
+            </a:r>
+          </a:p>
+          <a:p>
+            <a:r>
+              <a:rPr lang="en-US" sz="1100" dirty="0" smtClean="0"/>
+              <a:t>There are to reason:</a:t>
+            </a:r>
+          </a:p>
+          <a:p>
+            <a:pPr marL="228600" indent="-228600">
+              <a:buAutoNum type="arabicPeriod"/>
+            </a:pPr>
+            <a:r>
+              <a:rPr lang="en-US" sz="1100" dirty="0" smtClean="0"/>
+              <a:t>When i was a new commer,one of my job is solving die trouble. To solving trouble i need to confirm many information in some control list, look up history, doccument in many forder somewhere, it take a lot of time and difficult for new commer, I wonder why know system control it?</a:t>
+            </a:r>
+          </a:p>
+          <a:p>
+            <a:pPr marL="228600" indent="-228600">
+              <a:buAutoNum type="arabicPeriod"/>
+            </a:pPr>
+            <a:r>
+              <a:rPr lang="en-US" sz="1100" dirty="0" smtClean="0"/>
               <a:t>After become G4 my mission is manage all LBP die to take action QCD, there are about 5000 LBP dies, and it increase each year, with big amount it make me difficult to control and verify and update by excel</a:t>
             </a:r>
           </a:p>
@@ -4034,7 +5161,7 @@
         </p:nvSpPr>
         <p:spPr>
           <a:xfrm>
-            <a:off x="280416" y="4776137"/>
+            <a:off x="280416" y="4850545"/>
             <a:ext cx="3340608" cy="2123658"/>
           </a:xfrm>
           <a:prstGeom prst="rect">
